--- a/Presentazione Progetto/Presentazione Progetto.pptx
+++ b/Presentazione Progetto/Presentazione Progetto.pptx
@@ -336,7 +336,7 @@
           <a:p>
             <a:fld id="{8DB0A1B0-9AFA-47A2-A659-3DD01F3C6EEB}" type="datetimeFigureOut">
               <a:rPr lang="it-IT" smtClean="0"/>
-              <a:t>25/11/2021</a:t>
+              <a:t>29/11/2021</a:t>
             </a:fld>
             <a:endParaRPr lang="it-IT"/>
           </a:p>
@@ -20098,155 +20098,6 @@
       </p:grpSpPr>
       <p:sp>
         <p:nvSpPr>
-          <p:cNvPr id="5" name="CasellaDiTesto 4">
-            <a:extLst>
-              <a:ext uri="{FF2B5EF4-FFF2-40B4-BE49-F238E27FC236}">
-                <a16:creationId xmlns:a16="http://schemas.microsoft.com/office/drawing/2014/main" id="{E6C9DFD4-5856-4559-AE38-8EA672CEC4C0}"/>
-              </a:ext>
-            </a:extLst>
-          </p:cNvPr>
-          <p:cNvSpPr txBox="1"/>
-          <p:nvPr/>
-        </p:nvSpPr>
-        <p:spPr>
-          <a:xfrm>
-            <a:off x="9218750" y="4020639"/>
-            <a:ext cx="5267325" cy="1631216"/>
-          </a:xfrm>
-          <a:prstGeom prst="rect">
-            <a:avLst/>
-          </a:prstGeom>
-          <a:noFill/>
-        </p:spPr>
-        <p:txBody>
-          <a:bodyPr wrap="square" rtlCol="0">
-            <a:spAutoFit/>
-          </a:bodyPr>
-          <a:lstStyle/>
-          <a:p>
-            <a:pPr marL="342900" indent="-342900">
-              <a:buClr>
-                <a:schemeClr val="bg1"/>
-              </a:buClr>
-              <a:buFont typeface="Wingdings" panose="05000000000000000000" pitchFamily="2" charset="2"/>
-              <a:buChar char="v"/>
-            </a:pPr>
-            <a:r>
-              <a:rPr lang="it-IT" sz="2000" b="1" dirty="0" err="1">
-                <a:solidFill>
-                  <a:schemeClr val="bg1"/>
-                </a:solidFill>
-                <a:latin typeface="Thasadith"/>
-              </a:rPr>
-              <a:t>Locked</a:t>
-            </a:r>
-            <a:endParaRPr lang="it-IT" sz="2000" b="1" dirty="0">
-              <a:solidFill>
-                <a:schemeClr val="bg1"/>
-              </a:solidFill>
-              <a:latin typeface="Thasadith"/>
-            </a:endParaRPr>
-          </a:p>
-          <a:p>
-            <a:pPr marL="342900" indent="-342900">
-              <a:buClr>
-                <a:schemeClr val="bg1"/>
-              </a:buClr>
-              <a:buFont typeface="Wingdings" panose="05000000000000000000" pitchFamily="2" charset="2"/>
-              <a:buChar char="v"/>
-            </a:pPr>
-            <a:r>
-              <a:rPr lang="it-IT" sz="2000" b="1" dirty="0">
-                <a:solidFill>
-                  <a:schemeClr val="bg1"/>
-                </a:solidFill>
-                <a:latin typeface="Thasadith"/>
-              </a:rPr>
-              <a:t>Lost in Creta</a:t>
-            </a:r>
-          </a:p>
-          <a:p>
-            <a:pPr marL="342900" indent="-342900">
-              <a:buClr>
-                <a:schemeClr val="bg1"/>
-              </a:buClr>
-              <a:buFont typeface="Wingdings" panose="05000000000000000000" pitchFamily="2" charset="2"/>
-              <a:buChar char="v"/>
-            </a:pPr>
-            <a:r>
-              <a:rPr lang="it-IT" sz="2000" b="1" dirty="0" err="1">
-                <a:solidFill>
-                  <a:schemeClr val="bg1"/>
-                </a:solidFill>
-                <a:latin typeface="Thasadith"/>
-              </a:rPr>
-              <a:t>Hold</a:t>
-            </a:r>
-            <a:r>
-              <a:rPr lang="it-IT" sz="2000" b="1" dirty="0">
-                <a:solidFill>
-                  <a:schemeClr val="bg1"/>
-                </a:solidFill>
-                <a:latin typeface="Thasadith"/>
-              </a:rPr>
-              <a:t> the line</a:t>
-            </a:r>
-          </a:p>
-          <a:p>
-            <a:pPr marL="342900" indent="-342900">
-              <a:buClr>
-                <a:schemeClr val="bg1"/>
-              </a:buClr>
-              <a:buFont typeface="Wingdings" panose="05000000000000000000" pitchFamily="2" charset="2"/>
-              <a:buChar char="v"/>
-            </a:pPr>
-            <a:r>
-              <a:rPr lang="it-IT" sz="2000" b="1" dirty="0">
-                <a:solidFill>
-                  <a:schemeClr val="bg1"/>
-                </a:solidFill>
-                <a:latin typeface="Thasadith"/>
-              </a:rPr>
-              <a:t>Simon </a:t>
-            </a:r>
-            <a:r>
-              <a:rPr lang="it-IT" sz="2000" b="1" dirty="0" err="1">
-                <a:solidFill>
-                  <a:schemeClr val="bg1"/>
-                </a:solidFill>
-                <a:latin typeface="Thasadith"/>
-              </a:rPr>
-              <a:t>sais</a:t>
-            </a:r>
-            <a:endParaRPr lang="it-IT" sz="2000" b="1" dirty="0">
-              <a:solidFill>
-                <a:schemeClr val="bg1"/>
-              </a:solidFill>
-              <a:latin typeface="Thasadith"/>
-            </a:endParaRPr>
-          </a:p>
-          <a:p>
-            <a:pPr marL="342900" indent="-342900">
-              <a:buClr>
-                <a:schemeClr val="bg1"/>
-              </a:buClr>
-              <a:buFont typeface="Wingdings" panose="05000000000000000000" pitchFamily="2" charset="2"/>
-              <a:buChar char="v"/>
-            </a:pPr>
-            <a:r>
-              <a:rPr lang="it-IT" sz="2000" b="1" dirty="0">
-                <a:solidFill>
-                  <a:schemeClr val="bg1"/>
-                </a:solidFill>
-                <a:latin typeface="Thasadith"/>
-              </a:rPr>
-              <a:t>Target practice</a:t>
-            </a:r>
-          </a:p>
-        </p:txBody>
-      </p:sp>
-      <p:sp>
-        <p:nvSpPr>
           <p:cNvPr id="3" name="Titolo 2">
             <a:extLst>
               <a:ext uri="{FF2B5EF4-FFF2-40B4-BE49-F238E27FC236}">
@@ -20263,7 +20114,7 @@
         </p:nvSpPr>
         <p:spPr>
           <a:xfrm>
-            <a:off x="817931" y="393558"/>
+            <a:off x="1461083" y="484881"/>
             <a:ext cx="2824786" cy="812587"/>
           </a:xfrm>
         </p:spPr>
@@ -20331,7 +20182,7 @@
         </p:blipFill>
         <p:spPr>
           <a:xfrm>
-            <a:off x="430720" y="1107064"/>
+            <a:off x="1073872" y="1198387"/>
             <a:ext cx="3871605" cy="1877319"/>
           </a:xfrm>
           <a:prstGeom prst="rect">
@@ -20353,7 +20204,7 @@
         </p:nvSpPr>
         <p:spPr>
           <a:xfrm>
-            <a:off x="117146" y="3047420"/>
+            <a:off x="760298" y="3138743"/>
             <a:ext cx="4628191" cy="523220"/>
           </a:xfrm>
           <a:prstGeom prst="rect">
@@ -20412,7 +20263,7 @@
         </p:blipFill>
         <p:spPr>
           <a:xfrm>
-            <a:off x="8641343" y="1206145"/>
+            <a:off x="8380086" y="3661963"/>
             <a:ext cx="2216891" cy="2246449"/>
           </a:xfrm>
           <a:prstGeom prst="rect">
@@ -20434,7 +20285,7 @@
         </p:nvSpPr>
         <p:spPr>
           <a:xfrm>
-            <a:off x="6488794" y="282815"/>
+            <a:off x="6227537" y="2738633"/>
             <a:ext cx="5651500" cy="923330"/>
           </a:xfrm>
           <a:prstGeom prst="rect">
@@ -20487,7 +20338,7 @@
         </p:nvSpPr>
         <p:spPr>
           <a:xfrm>
-            <a:off x="6096000" y="1640281"/>
+            <a:off x="5834743" y="4096099"/>
             <a:ext cx="2454856" cy="1169551"/>
           </a:xfrm>
           <a:prstGeom prst="rect">
@@ -20742,8 +20593,8 @@
         </p:blipFill>
         <p:spPr>
           <a:xfrm>
-            <a:off x="7193290" y="1447205"/>
-            <a:ext cx="1848108" cy="1800476"/>
+            <a:off x="6703696" y="1243736"/>
+            <a:ext cx="2684142" cy="2614963"/>
           </a:xfrm>
           <a:prstGeom prst="rect">
             <a:avLst/>

--- a/Presentazione Progetto/Presentazione Progetto.pptx
+++ b/Presentazione Progetto/Presentazione Progetto.pptx
@@ -336,7 +336,7 @@
           <a:p>
             <a:fld id="{8DB0A1B0-9AFA-47A2-A659-3DD01F3C6EEB}" type="datetimeFigureOut">
               <a:rPr lang="it-IT" smtClean="0"/>
-              <a:t>29/11/2021</a:t>
+              <a:t>09/12/2021</a:t>
             </a:fld>
             <a:endParaRPr lang="it-IT"/>
           </a:p>
@@ -19093,7 +19093,12 @@
             <p:ph type="ctrTitle"/>
           </p:nvPr>
         </p:nvSpPr>
-        <p:spPr/>
+        <p:spPr>
+          <a:xfrm>
+            <a:off x="925832" y="1678200"/>
+            <a:ext cx="10340331" cy="2907200"/>
+          </a:xfrm>
+        </p:spPr>
         <p:txBody>
           <a:bodyPr/>
           <a:lstStyle/>
@@ -19104,13 +19109,8 @@
             </a:r>
             <a:r>
               <a:rPr lang="it-IT" sz="9900" dirty="0"/>
-              <a:t> </a:t>
+              <a:t> Arcade</a:t>
             </a:r>
-            <a:r>
-              <a:rPr lang="it-IT" sz="9900" dirty="0" err="1"/>
-              <a:t>arcade</a:t>
-            </a:r>
-            <a:endParaRPr lang="it-IT" sz="9900" dirty="0"/>
           </a:p>
         </p:txBody>
       </p:sp>
@@ -20025,7 +20025,7 @@
                 </a:solidFill>
                 <a:latin typeface="Thasadith"/>
               </a:rPr>
-              <a:t>sais</a:t>
+              <a:t>says</a:t>
             </a:r>
             <a:endParaRPr lang="it-IT" sz="2000" b="1" dirty="0">
               <a:solidFill>
@@ -20049,7 +20049,7 @@
                 </a:solidFill>
                 <a:latin typeface="Thasadith"/>
               </a:rPr>
-              <a:t>Red Light – Green Light</a:t>
+              <a:t>Target Practice</a:t>
             </a:r>
           </a:p>
         </p:txBody>
